--- a/Documents/ShopOn-project.pptx
+++ b/Documents/ShopOn-project.pptx
@@ -10,6 +10,7 @@
     <p:sldId id="258" r:id="rId4"/>
     <p:sldId id="260" r:id="rId5"/>
     <p:sldId id="261" r:id="rId6"/>
+    <p:sldId id="262" r:id="rId7"/>
   </p:sldIdLst>
   <p:sldSz cx="12192000" cy="6858000"/>
   <p:notesSz cx="6858000" cy="9144000"/>
@@ -1314,495 +1315,6 @@
       <dsp:cNvGrpSpPr/>
     </dsp:nvGrpSpPr>
     <dsp:grpSpPr/>
-    <dsp:sp modelId="{E6FBA895-A1D0-4360-9E23-73616A1FAB72}">
-      <dsp:nvSpPr>
-        <dsp:cNvPr id="0" name=""/>
-        <dsp:cNvSpPr/>
-      </dsp:nvSpPr>
-      <dsp:spPr>
-        <a:xfrm>
-          <a:off x="3205" y="25921"/>
-          <a:ext cx="2770073" cy="2129762"/>
-        </a:xfrm>
-        <a:prstGeom prst="rect">
-          <a:avLst/>
-        </a:prstGeom>
-        <a:solidFill>
-          <a:schemeClr val="accent1">
-            <a:lumMod val="75000"/>
-          </a:schemeClr>
-        </a:solidFill>
-        <a:ln w="15875" cap="rnd" cmpd="sng" algn="ctr">
-          <a:solidFill>
-            <a:schemeClr val="lt1">
-              <a:hueOff val="0"/>
-              <a:satOff val="0"/>
-              <a:lumOff val="0"/>
-              <a:alphaOff val="0"/>
-            </a:schemeClr>
-          </a:solidFill>
-          <a:prstDash val="solid"/>
-        </a:ln>
-        <a:effectLst/>
-      </dsp:spPr>
-      <dsp:style>
-        <a:lnRef idx="2">
-          <a:scrgbClr r="0" g="0" b="0"/>
-        </a:lnRef>
-        <a:fillRef idx="1">
-          <a:scrgbClr r="0" g="0" b="0"/>
-        </a:fillRef>
-        <a:effectRef idx="0">
-          <a:scrgbClr r="0" g="0" b="0"/>
-        </a:effectRef>
-        <a:fontRef idx="minor">
-          <a:schemeClr val="lt1"/>
-        </a:fontRef>
-      </dsp:style>
-      <dsp:txBody>
-        <a:bodyPr spcFirstLastPara="0" vert="horz" wrap="square" lIns="110490" tIns="110490" rIns="110490" bIns="110490" numCol="1" spcCol="1270" anchor="ctr" anchorCtr="0">
-          <a:noAutofit/>
-        </a:bodyPr>
-        <a:lstStyle/>
-        <a:p>
-          <a:pPr lvl="0" algn="ctr" defTabSz="1289050">
-            <a:lnSpc>
-              <a:spcPct val="90000"/>
-            </a:lnSpc>
-            <a:spcBef>
-              <a:spcPct val="0"/>
-            </a:spcBef>
-            <a:spcAft>
-              <a:spcPct val="35000"/>
-            </a:spcAft>
-          </a:pPr>
-          <a:r>
-            <a:rPr lang="en-US" sz="2900" kern="1200" dirty="0" smtClean="0"/>
-            <a:t>Business Directory</a:t>
-          </a:r>
-        </a:p>
-        <a:p>
-          <a:pPr lvl="0" algn="ctr" defTabSz="1289050">
-            <a:lnSpc>
-              <a:spcPct val="90000"/>
-            </a:lnSpc>
-            <a:spcBef>
-              <a:spcPct val="0"/>
-            </a:spcBef>
-            <a:spcAft>
-              <a:spcPct val="35000"/>
-            </a:spcAft>
-          </a:pPr>
-          <a:r>
-            <a:rPr lang="en-US" sz="2900" kern="1200" dirty="0" smtClean="0"/>
-            <a:t>‘</a:t>
-          </a:r>
-          <a:r>
-            <a:rPr lang="en-US" sz="1400" kern="1200" dirty="0" smtClean="0"/>
-            <a:t>local shops and professionals are required on the city’s map.</a:t>
-          </a:r>
-          <a:r>
-            <a:rPr lang="en-US" sz="2900" kern="1200" dirty="0" smtClean="0"/>
-            <a:t>’ </a:t>
-          </a:r>
-          <a:endParaRPr lang="en-US" sz="2900" kern="1200" dirty="0"/>
-        </a:p>
-      </dsp:txBody>
-      <dsp:txXfrm>
-        <a:off x="3205" y="25921"/>
-        <a:ext cx="2770073" cy="2129762"/>
-      </dsp:txXfrm>
-    </dsp:sp>
-    <dsp:sp modelId="{CC851435-908A-453B-AE2D-7FE0C7B97399}">
-      <dsp:nvSpPr>
-        <dsp:cNvPr id="0" name=""/>
-        <dsp:cNvSpPr/>
-      </dsp:nvSpPr>
-      <dsp:spPr>
-        <a:xfrm>
-          <a:off x="3052321" y="25921"/>
-          <a:ext cx="2790415" cy="2129762"/>
-        </a:xfrm>
-        <a:prstGeom prst="rect">
-          <a:avLst/>
-        </a:prstGeom>
-        <a:solidFill>
-          <a:schemeClr val="accent1">
-            <a:lumMod val="75000"/>
-          </a:schemeClr>
-        </a:solidFill>
-        <a:ln w="15875" cap="rnd" cmpd="sng" algn="ctr">
-          <a:solidFill>
-            <a:schemeClr val="lt1">
-              <a:hueOff val="0"/>
-              <a:satOff val="0"/>
-              <a:lumOff val="0"/>
-              <a:alphaOff val="0"/>
-            </a:schemeClr>
-          </a:solidFill>
-          <a:prstDash val="solid"/>
-        </a:ln>
-        <a:effectLst/>
-      </dsp:spPr>
-      <dsp:style>
-        <a:lnRef idx="2">
-          <a:scrgbClr r="0" g="0" b="0"/>
-        </a:lnRef>
-        <a:fillRef idx="1">
-          <a:scrgbClr r="0" g="0" b="0"/>
-        </a:fillRef>
-        <a:effectRef idx="0">
-          <a:scrgbClr r="0" g="0" b="0"/>
-        </a:effectRef>
-        <a:fontRef idx="minor">
-          <a:schemeClr val="lt1"/>
-        </a:fontRef>
-      </dsp:style>
-      <dsp:txBody>
-        <a:bodyPr spcFirstLastPara="0" vert="horz" wrap="square" lIns="106680" tIns="106680" rIns="106680" bIns="106680" numCol="1" spcCol="1270" anchor="ctr" anchorCtr="0">
-          <a:noAutofit/>
-        </a:bodyPr>
-        <a:lstStyle/>
-        <a:p>
-          <a:pPr lvl="0" algn="ctr" defTabSz="1244600">
-            <a:lnSpc>
-              <a:spcPct val="90000"/>
-            </a:lnSpc>
-            <a:spcBef>
-              <a:spcPct val="0"/>
-            </a:spcBef>
-            <a:spcAft>
-              <a:spcPct val="35000"/>
-            </a:spcAft>
-          </a:pPr>
-          <a:r>
-            <a:rPr lang="en-US" sz="2800" kern="1200" dirty="0" smtClean="0"/>
-            <a:t>Virtual Marketplace</a:t>
-          </a:r>
-        </a:p>
-        <a:p>
-          <a:pPr lvl="0" algn="ctr" defTabSz="1244600">
-            <a:lnSpc>
-              <a:spcPct val="90000"/>
-            </a:lnSpc>
-            <a:spcBef>
-              <a:spcPct val="0"/>
-            </a:spcBef>
-            <a:spcAft>
-              <a:spcPct val="35000"/>
-            </a:spcAft>
-          </a:pPr>
-          <a:r>
-            <a:rPr lang="en-US" sz="2800" kern="1200" dirty="0" smtClean="0"/>
-            <a:t>‘</a:t>
-          </a:r>
-          <a:r>
-            <a:rPr lang="en-US" sz="1400" kern="1200" dirty="0" smtClean="0"/>
-            <a:t>local retailers create and manage their online stores</a:t>
-          </a:r>
-          <a:r>
-            <a:rPr lang="en-US" sz="2800" kern="1200" dirty="0" smtClean="0"/>
-            <a:t>.’</a:t>
-          </a:r>
-          <a:endParaRPr lang="en-US" sz="2800" kern="1200" dirty="0"/>
-        </a:p>
-      </dsp:txBody>
-      <dsp:txXfrm>
-        <a:off x="3052321" y="25921"/>
-        <a:ext cx="2790415" cy="2129762"/>
-      </dsp:txXfrm>
-    </dsp:sp>
-    <dsp:sp modelId="{F5B562F9-C0F7-469A-95C5-16C0A67BAA79}">
-      <dsp:nvSpPr>
-        <dsp:cNvPr id="0" name=""/>
-        <dsp:cNvSpPr/>
-      </dsp:nvSpPr>
-      <dsp:spPr>
-        <a:xfrm>
-          <a:off x="6121778" y="25921"/>
-          <a:ext cx="2790415" cy="2129762"/>
-        </a:xfrm>
-        <a:prstGeom prst="rect">
-          <a:avLst/>
-        </a:prstGeom>
-        <a:solidFill>
-          <a:schemeClr val="accent1">
-            <a:lumMod val="75000"/>
-          </a:schemeClr>
-        </a:solidFill>
-        <a:ln w="15875" cap="rnd" cmpd="sng" algn="ctr">
-          <a:solidFill>
-            <a:schemeClr val="lt1">
-              <a:hueOff val="0"/>
-              <a:satOff val="0"/>
-              <a:lumOff val="0"/>
-              <a:alphaOff val="0"/>
-            </a:schemeClr>
-          </a:solidFill>
-          <a:prstDash val="solid"/>
-        </a:ln>
-        <a:effectLst/>
-      </dsp:spPr>
-      <dsp:style>
-        <a:lnRef idx="2">
-          <a:scrgbClr r="0" g="0" b="0"/>
-        </a:lnRef>
-        <a:fillRef idx="1">
-          <a:scrgbClr r="0" g="0" b="0"/>
-        </a:fillRef>
-        <a:effectRef idx="0">
-          <a:scrgbClr r="0" g="0" b="0"/>
-        </a:effectRef>
-        <a:fontRef idx="minor">
-          <a:schemeClr val="lt1"/>
-        </a:fontRef>
-      </dsp:style>
-      <dsp:txBody>
-        <a:bodyPr spcFirstLastPara="0" vert="horz" wrap="square" lIns="106680" tIns="106680" rIns="106680" bIns="106680" numCol="1" spcCol="1270" anchor="ctr" anchorCtr="0">
-          <a:noAutofit/>
-        </a:bodyPr>
-        <a:lstStyle/>
-        <a:p>
-          <a:pPr lvl="0" algn="ctr" defTabSz="1244600">
-            <a:lnSpc>
-              <a:spcPct val="90000"/>
-            </a:lnSpc>
-            <a:spcBef>
-              <a:spcPct val="0"/>
-            </a:spcBef>
-            <a:spcAft>
-              <a:spcPct val="35000"/>
-            </a:spcAft>
-          </a:pPr>
-          <a:r>
-            <a:rPr lang="en-US" sz="2800" kern="1200" dirty="0" smtClean="0"/>
-            <a:t>Open malls</a:t>
-          </a:r>
-        </a:p>
-        <a:p>
-          <a:pPr lvl="0" algn="ctr" defTabSz="1244600">
-            <a:lnSpc>
-              <a:spcPct val="90000"/>
-            </a:lnSpc>
-            <a:spcBef>
-              <a:spcPct val="0"/>
-            </a:spcBef>
-            <a:spcAft>
-              <a:spcPct val="35000"/>
-            </a:spcAft>
-          </a:pPr>
-          <a:r>
-            <a:rPr lang="en-US" sz="2800" kern="1200" dirty="0" smtClean="0"/>
-            <a:t>‘s</a:t>
-          </a:r>
-          <a:r>
-            <a:rPr lang="en-US" sz="1400" kern="1200" dirty="0" smtClean="0"/>
-            <a:t>hops can be organized per street or district</a:t>
-          </a:r>
-          <a:r>
-            <a:rPr lang="en-US" sz="2800" kern="1200" dirty="0" smtClean="0"/>
-            <a:t>.’</a:t>
-          </a:r>
-          <a:endParaRPr lang="en-US" sz="2800" kern="1200" dirty="0"/>
-        </a:p>
-      </dsp:txBody>
-      <dsp:txXfrm>
-        <a:off x="6121778" y="25921"/>
-        <a:ext cx="2790415" cy="2129762"/>
-      </dsp:txXfrm>
-    </dsp:sp>
-    <dsp:sp modelId="{23A87744-4D48-4E5D-95A3-F6B8F2233C1E}">
-      <dsp:nvSpPr>
-        <dsp:cNvPr id="0" name=""/>
-        <dsp:cNvSpPr/>
-      </dsp:nvSpPr>
-      <dsp:spPr>
-        <a:xfrm>
-          <a:off x="1527763" y="2445742"/>
-          <a:ext cx="2790415" cy="2041043"/>
-        </a:xfrm>
-        <a:prstGeom prst="rect">
-          <a:avLst/>
-        </a:prstGeom>
-        <a:solidFill>
-          <a:schemeClr val="accent1">
-            <a:lumMod val="75000"/>
-          </a:schemeClr>
-        </a:solidFill>
-        <a:ln w="15875" cap="rnd" cmpd="sng" algn="ctr">
-          <a:solidFill>
-            <a:schemeClr val="accent1">
-              <a:lumMod val="40000"/>
-              <a:lumOff val="60000"/>
-            </a:schemeClr>
-          </a:solidFill>
-          <a:prstDash val="solid"/>
-        </a:ln>
-        <a:effectLst/>
-      </dsp:spPr>
-      <dsp:style>
-        <a:lnRef idx="2">
-          <a:scrgbClr r="0" g="0" b="0"/>
-        </a:lnRef>
-        <a:fillRef idx="1">
-          <a:scrgbClr r="0" g="0" b="0"/>
-        </a:fillRef>
-        <a:effectRef idx="0">
-          <a:scrgbClr r="0" g="0" b="0"/>
-        </a:effectRef>
-        <a:fontRef idx="minor">
-          <a:schemeClr val="lt1"/>
-        </a:fontRef>
-      </dsp:style>
-      <dsp:txBody>
-        <a:bodyPr spcFirstLastPara="0" vert="horz" wrap="square" lIns="87630" tIns="87630" rIns="87630" bIns="87630" numCol="1" spcCol="1270" anchor="ctr" anchorCtr="0">
-          <a:noAutofit/>
-        </a:bodyPr>
-        <a:lstStyle/>
-        <a:p>
-          <a:pPr lvl="0" algn="ctr" defTabSz="1022350">
-            <a:lnSpc>
-              <a:spcPct val="90000"/>
-            </a:lnSpc>
-            <a:spcBef>
-              <a:spcPct val="0"/>
-            </a:spcBef>
-            <a:spcAft>
-              <a:spcPct val="35000"/>
-            </a:spcAft>
-          </a:pPr>
-          <a:r>
-            <a:rPr lang="en-US" sz="2300" kern="1200" dirty="0" smtClean="0"/>
-            <a:t>Offers and promotions </a:t>
-          </a:r>
-        </a:p>
-        <a:p>
-          <a:pPr lvl="0" algn="ctr" defTabSz="1022350">
-            <a:lnSpc>
-              <a:spcPct val="90000"/>
-            </a:lnSpc>
-            <a:spcBef>
-              <a:spcPct val="0"/>
-            </a:spcBef>
-            <a:spcAft>
-              <a:spcPct val="35000"/>
-            </a:spcAft>
-          </a:pPr>
-          <a:r>
-            <a:rPr lang="en-US" sz="2300" kern="1200" dirty="0" smtClean="0"/>
-            <a:t>‘</a:t>
-          </a:r>
-          <a:r>
-            <a:rPr lang="en-US" sz="1400" kern="1200" dirty="0" smtClean="0"/>
-            <a:t>retailers and professionals provide special deals and discounts</a:t>
-          </a:r>
-          <a:r>
-            <a:rPr lang="en-US" sz="2300" kern="1200" dirty="0" smtClean="0"/>
-            <a:t>’.</a:t>
-          </a:r>
-          <a:endParaRPr lang="en-US" sz="2300" kern="1200" dirty="0"/>
-        </a:p>
-      </dsp:txBody>
-      <dsp:txXfrm>
-        <a:off x="1527763" y="2445742"/>
-        <a:ext cx="2790415" cy="2041043"/>
-      </dsp:txXfrm>
-    </dsp:sp>
-    <dsp:sp modelId="{56A79965-C9A2-47AC-8826-A035DE5E96F2}">
-      <dsp:nvSpPr>
-        <dsp:cNvPr id="0" name=""/>
-        <dsp:cNvSpPr/>
-      </dsp:nvSpPr>
-      <dsp:spPr>
-        <a:xfrm>
-          <a:off x="4597220" y="2434725"/>
-          <a:ext cx="2790415" cy="2063077"/>
-        </a:xfrm>
-        <a:prstGeom prst="rect">
-          <a:avLst/>
-        </a:prstGeom>
-        <a:solidFill>
-          <a:schemeClr val="accent1">
-            <a:lumMod val="75000"/>
-          </a:schemeClr>
-        </a:solidFill>
-        <a:ln w="15875" cap="rnd" cmpd="sng" algn="ctr">
-          <a:solidFill>
-            <a:schemeClr val="lt1">
-              <a:hueOff val="0"/>
-              <a:satOff val="0"/>
-              <a:lumOff val="0"/>
-              <a:alphaOff val="0"/>
-            </a:schemeClr>
-          </a:solidFill>
-          <a:prstDash val="solid"/>
-        </a:ln>
-        <a:effectLst/>
-      </dsp:spPr>
-      <dsp:style>
-        <a:lnRef idx="2">
-          <a:scrgbClr r="0" g="0" b="0"/>
-        </a:lnRef>
-        <a:fillRef idx="1">
-          <a:scrgbClr r="0" g="0" b="0"/>
-        </a:fillRef>
-        <a:effectRef idx="0">
-          <a:scrgbClr r="0" g="0" b="0"/>
-        </a:effectRef>
-        <a:fontRef idx="minor">
-          <a:schemeClr val="lt1"/>
-        </a:fontRef>
-      </dsp:style>
-      <dsp:txBody>
-        <a:bodyPr spcFirstLastPara="0" vert="horz" wrap="square" lIns="95250" tIns="95250" rIns="95250" bIns="95250" numCol="1" spcCol="1270" anchor="ctr" anchorCtr="0">
-          <a:noAutofit/>
-        </a:bodyPr>
-        <a:lstStyle/>
-        <a:p>
-          <a:pPr lvl="0" algn="ctr" defTabSz="1111250">
-            <a:lnSpc>
-              <a:spcPct val="90000"/>
-            </a:lnSpc>
-            <a:spcBef>
-              <a:spcPct val="0"/>
-            </a:spcBef>
-            <a:spcAft>
-              <a:spcPct val="35000"/>
-            </a:spcAft>
-          </a:pPr>
-          <a:r>
-            <a:rPr lang="en-US" sz="2500" kern="1200" dirty="0" smtClean="0"/>
-            <a:t>User Reviews </a:t>
-          </a:r>
-        </a:p>
-        <a:p>
-          <a:pPr lvl="0" algn="ctr" defTabSz="1111250">
-            <a:lnSpc>
-              <a:spcPct val="90000"/>
-            </a:lnSpc>
-            <a:spcBef>
-              <a:spcPct val="0"/>
-            </a:spcBef>
-            <a:spcAft>
-              <a:spcPct val="35000"/>
-            </a:spcAft>
-          </a:pPr>
-          <a:r>
-            <a:rPr lang="en-US" sz="2500" kern="1200" dirty="0" smtClean="0"/>
-            <a:t>‘</a:t>
-          </a:r>
-          <a:r>
-            <a:rPr lang="en-US" sz="1400" kern="1200" dirty="0" smtClean="0"/>
-            <a:t>visitors comment and rate the offered products and services.’</a:t>
-          </a:r>
-          <a:endParaRPr lang="en-US" sz="1400" kern="1200" dirty="0"/>
-        </a:p>
-      </dsp:txBody>
-      <dsp:txXfrm>
-        <a:off x="4597220" y="2434725"/>
-        <a:ext cx="2790415" cy="2063077"/>
-      </dsp:txXfrm>
-    </dsp:sp>
   </dsp:spTree>
 </dsp:drawing>
 </file>
@@ -3177,7 +2689,7 @@
             <a:fld id="{B61BEF0D-F0BB-DE4B-95CE-6DB70DBA9567}" type="datetimeFigureOut">
               <a:rPr lang="en-US" dirty="0"/>
               <a:pPr/>
-              <a:t>7/2/2022</a:t>
+              <a:t>7/4/2022</a:t>
             </a:fld>
             <a:endParaRPr lang="en-US" dirty="0"/>
           </a:p>
@@ -3512,7 +3024,7 @@
             <a:fld id="{B61BEF0D-F0BB-DE4B-95CE-6DB70DBA9567}" type="datetimeFigureOut">
               <a:rPr lang="en-US" dirty="0"/>
               <a:pPr/>
-              <a:t>7/2/2022</a:t>
+              <a:t>7/4/2022</a:t>
             </a:fld>
             <a:endParaRPr lang="en-US" dirty="0"/>
           </a:p>
@@ -3910,7 +3422,7 @@
             <a:fld id="{B61BEF0D-F0BB-DE4B-95CE-6DB70DBA9567}" type="datetimeFigureOut">
               <a:rPr lang="en-US" dirty="0"/>
               <a:pPr/>
-              <a:t>7/2/2022</a:t>
+              <a:t>7/4/2022</a:t>
             </a:fld>
             <a:endParaRPr lang="en-US" dirty="0"/>
           </a:p>
@@ -4243,7 +3755,7 @@
             <a:fld id="{B61BEF0D-F0BB-DE4B-95CE-6DB70DBA9567}" type="datetimeFigureOut">
               <a:rPr lang="en-US" dirty="0"/>
               <a:pPr/>
-              <a:t>7/2/2022</a:t>
+              <a:t>7/4/2022</a:t>
             </a:fld>
             <a:endParaRPr lang="en-US" dirty="0"/>
           </a:p>
@@ -4560,7 +4072,7 @@
             <a:fld id="{B61BEF0D-F0BB-DE4B-95CE-6DB70DBA9567}" type="datetimeFigureOut">
               <a:rPr lang="en-US" dirty="0"/>
               <a:pPr/>
-              <a:t>7/2/2022</a:t>
+              <a:t>7/4/2022</a:t>
             </a:fld>
             <a:endParaRPr lang="en-US" dirty="0"/>
           </a:p>
@@ -4953,7 +4465,7 @@
             <a:fld id="{B61BEF0D-F0BB-DE4B-95CE-6DB70DBA9567}" type="datetimeFigureOut">
               <a:rPr lang="en-US" dirty="0"/>
               <a:pPr/>
-              <a:t>7/2/2022</a:t>
+              <a:t>7/4/2022</a:t>
             </a:fld>
             <a:endParaRPr lang="en-US" dirty="0"/>
           </a:p>
@@ -5207,7 +4719,7 @@
             <a:fld id="{B61BEF0D-F0BB-DE4B-95CE-6DB70DBA9567}" type="datetimeFigureOut">
               <a:rPr lang="en-US" dirty="0"/>
               <a:pPr/>
-              <a:t>7/2/2022</a:t>
+              <a:t>7/4/2022</a:t>
             </a:fld>
             <a:endParaRPr lang="en-US" dirty="0"/>
           </a:p>
@@ -5466,7 +4978,7 @@
             <a:fld id="{B61BEF0D-F0BB-DE4B-95CE-6DB70DBA9567}" type="datetimeFigureOut">
               <a:rPr lang="en-US" dirty="0"/>
               <a:pPr/>
-              <a:t>7/2/2022</a:t>
+              <a:t>7/4/2022</a:t>
             </a:fld>
             <a:endParaRPr lang="en-US" dirty="0"/>
           </a:p>
@@ -5725,7 +5237,7 @@
             <a:fld id="{B61BEF0D-F0BB-DE4B-95CE-6DB70DBA9567}" type="datetimeFigureOut">
               <a:rPr lang="en-US" dirty="0"/>
               <a:pPr/>
-              <a:t>7/2/2022</a:t>
+              <a:t>7/4/2022</a:t>
             </a:fld>
             <a:endParaRPr lang="en-US" dirty="0"/>
           </a:p>
@@ -6051,7 +5563,7 @@
             <a:fld id="{B61BEF0D-F0BB-DE4B-95CE-6DB70DBA9567}" type="datetimeFigureOut">
               <a:rPr lang="en-US" dirty="0"/>
               <a:pPr/>
-              <a:t>7/2/2022</a:t>
+              <a:t>7/4/2022</a:t>
             </a:fld>
             <a:endParaRPr lang="en-US" dirty="0"/>
           </a:p>
@@ -6371,7 +5883,7 @@
             <a:fld id="{B61BEF0D-F0BB-DE4B-95CE-6DB70DBA9567}" type="datetimeFigureOut">
               <a:rPr lang="en-US" dirty="0"/>
               <a:pPr/>
-              <a:t>7/2/2022</a:t>
+              <a:t>7/4/2022</a:t>
             </a:fld>
             <a:endParaRPr lang="en-US" dirty="0"/>
           </a:p>
@@ -6825,7 +6337,7 @@
             <a:fld id="{B61BEF0D-F0BB-DE4B-95CE-6DB70DBA9567}" type="datetimeFigureOut">
               <a:rPr lang="en-US" dirty="0"/>
               <a:pPr/>
-              <a:t>7/2/2022</a:t>
+              <a:t>7/4/2022</a:t>
             </a:fld>
             <a:endParaRPr lang="en-US" dirty="0"/>
           </a:p>
@@ -7027,7 +6539,7 @@
             <a:fld id="{B61BEF0D-F0BB-DE4B-95CE-6DB70DBA9567}" type="datetimeFigureOut">
               <a:rPr lang="en-US" dirty="0"/>
               <a:pPr/>
-              <a:t>7/2/2022</a:t>
+              <a:t>7/4/2022</a:t>
             </a:fld>
             <a:endParaRPr lang="en-US" dirty="0"/>
           </a:p>
@@ -7201,7 +6713,7 @@
             <a:fld id="{B61BEF0D-F0BB-DE4B-95CE-6DB70DBA9567}" type="datetimeFigureOut">
               <a:rPr lang="en-US" dirty="0"/>
               <a:pPr/>
-              <a:t>7/2/2022</a:t>
+              <a:t>7/4/2022</a:t>
             </a:fld>
             <a:endParaRPr lang="en-US" dirty="0"/>
           </a:p>
@@ -7531,7 +7043,7 @@
             <a:fld id="{B61BEF0D-F0BB-DE4B-95CE-6DB70DBA9567}" type="datetimeFigureOut">
               <a:rPr lang="en-US" dirty="0"/>
               <a:pPr/>
-              <a:t>7/2/2022</a:t>
+              <a:t>7/4/2022</a:t>
             </a:fld>
             <a:endParaRPr lang="en-US" dirty="0"/>
           </a:p>
@@ -7873,7 +7385,7 @@
             <a:fld id="{B61BEF0D-F0BB-DE4B-95CE-6DB70DBA9567}" type="datetimeFigureOut">
               <a:rPr lang="en-US" dirty="0"/>
               <a:pPr/>
-              <a:t>7/2/2022</a:t>
+              <a:t>7/4/2022</a:t>
             </a:fld>
             <a:endParaRPr lang="en-US" dirty="0"/>
           </a:p>
@@ -9987,7 +9499,7 @@
             <a:fld id="{B61BEF0D-F0BB-DE4B-95CE-6DB70DBA9567}" type="datetimeFigureOut">
               <a:rPr lang="en-US" dirty="0"/>
               <a:pPr/>
-              <a:t>7/2/2022</a:t>
+              <a:t>7/4/2022</a:t>
             </a:fld>
             <a:endParaRPr lang="en-US" dirty="0"/>
           </a:p>
@@ -10647,7 +10159,25 @@
           <a:p>
             <a:r>
               <a:rPr lang="en-US" dirty="0" smtClean="0"/>
-              <a:t>CSE499: GP2022 smart marketplace</a:t>
+              <a:t>CSE499: GP2022 smart </a:t>
+            </a:r>
+            <a:r>
+              <a:rPr lang="en-US" dirty="0" smtClean="0"/>
+              <a:t>marketplace</a:t>
+            </a:r>
+          </a:p>
+          <a:p>
+            <a:r>
+              <a:rPr lang="en-US" dirty="0" smtClean="0"/>
+              <a:t>Supervised by: Dr. </a:t>
+            </a:r>
+            <a:r>
+              <a:rPr lang="en-US" dirty="0" err="1" smtClean="0"/>
+              <a:t>Bassem</a:t>
+            </a:r>
+            <a:r>
+              <a:rPr lang="en-US" smtClean="0"/>
+              <a:t> Amin</a:t>
             </a:r>
             <a:endParaRPr lang="en-US" dirty="0"/>
           </a:p>
@@ -10808,7 +10338,7 @@
         <p:spPr/>
         <p:txBody>
           <a:bodyPr>
-            <a:normAutofit fontScale="85000" lnSpcReduction="20000"/>
+            <a:normAutofit fontScale="70000" lnSpcReduction="20000"/>
           </a:bodyPr>
           <a:lstStyle/>
           <a:p>
@@ -10828,7 +10358,6 @@
               <a:rPr lang="en-US" dirty="0" smtClean="0"/>
               <a:t>Retailers can manage their shop.</a:t>
             </a:r>
-            <a:endParaRPr lang="en-US" dirty="0" smtClean="0"/>
           </a:p>
           <a:p>
             <a:r>
@@ -10845,6 +10374,12 @@
           <a:p>
             <a:r>
               <a:rPr lang="en-US" dirty="0" smtClean="0"/>
+              <a:t>Shops are organized</a:t>
+            </a:r>
+          </a:p>
+          <a:p>
+            <a:r>
+              <a:rPr lang="en-US" dirty="0" smtClean="0"/>
               <a:t>Customers can navigate the website and view products.</a:t>
             </a:r>
           </a:p>
@@ -10901,9 +10436,8 @@
             </a:r>
             <a:r>
               <a:rPr lang="en-US" dirty="0" smtClean="0"/>
-              <a:t>can get the address and the popular information about the store.</a:t>
-            </a:r>
-            <a:endParaRPr lang="en-US" dirty="0" smtClean="0"/>
+              <a:t>can get the address on the map and the popular information about the store.</a:t>
+            </a:r>
           </a:p>
           <a:p>
             <a:endParaRPr lang="en-US" dirty="0"/>
@@ -10999,15 +10533,32 @@
           </a:p>
           <a:p>
             <a:r>
+              <a:rPr lang="en-US" dirty="0"/>
+              <a:t>Allow </a:t>
+            </a:r>
+            <a:r>
               <a:rPr lang="en-US" dirty="0" smtClean="0"/>
-              <a:t> Allow location on map.</a:t>
-            </a:r>
-          </a:p>
-          <a:p>
+              <a:t>multi </a:t>
+            </a:r>
             <a:r>
               <a:rPr lang="en-US" dirty="0"/>
-              <a:t>Allow multi vendor.</a:t>
-            </a:r>
+              <a:t>vendor</a:t>
+            </a:r>
+            <a:r>
+              <a:rPr lang="en-US" dirty="0" smtClean="0"/>
+              <a:t>.</a:t>
+            </a:r>
+          </a:p>
+          <a:p>
+            <a:r>
+              <a:rPr lang="en-US" dirty="0" smtClean="0"/>
+              <a:t>Note: I’m currently developing </a:t>
+            </a:r>
+            <a:r>
+              <a:rPr lang="en-US" smtClean="0"/>
+              <a:t>these features.</a:t>
+            </a:r>
+            <a:endParaRPr lang="en-US" dirty="0"/>
           </a:p>
         </p:txBody>
       </p:sp>
@@ -11015,6 +10566,131 @@
     <p:extLst>
       <p:ext uri="{BB962C8B-B14F-4D97-AF65-F5344CB8AC3E}">
         <p14:creationId xmlns:p14="http://schemas.microsoft.com/office/powerpoint/2010/main" val="1575569109"/>
+      </p:ext>
+    </p:extLst>
+  </p:cSld>
+  <p:clrMapOvr>
+    <a:masterClrMapping/>
+  </p:clrMapOvr>
+</p:sld>
+</file>
+
+<file path=ppt/slides/slide6.xml><?xml version="1.0" encoding="utf-8"?>
+<p:sld xmlns:a="http://schemas.openxmlformats.org/drawingml/2006/main" xmlns:r="http://schemas.openxmlformats.org/officeDocument/2006/relationships" xmlns:p="http://schemas.openxmlformats.org/presentationml/2006/main">
+  <p:cSld>
+    <p:spTree>
+      <p:nvGrpSpPr>
+        <p:cNvPr id="1" name=""/>
+        <p:cNvGrpSpPr/>
+        <p:nvPr/>
+      </p:nvGrpSpPr>
+      <p:grpSpPr>
+        <a:xfrm>
+          <a:off x="0" y="0"/>
+          <a:ext cx="0" cy="0"/>
+          <a:chOff x="0" y="0"/>
+          <a:chExt cx="0" cy="0"/>
+        </a:xfrm>
+      </p:grpSpPr>
+      <p:sp>
+        <p:nvSpPr>
+          <p:cNvPr id="2" name="Title 1"/>
+          <p:cNvSpPr>
+            <a:spLocks noGrp="1"/>
+          </p:cNvSpPr>
+          <p:nvPr>
+            <p:ph type="title"/>
+          </p:nvPr>
+        </p:nvSpPr>
+        <p:spPr/>
+        <p:txBody>
+          <a:bodyPr/>
+          <a:lstStyle/>
+          <a:p>
+            <a:r>
+              <a:rPr lang="en-US" dirty="0" smtClean="0"/>
+              <a:t>Working files</a:t>
+            </a:r>
+            <a:endParaRPr lang="en-US" dirty="0"/>
+          </a:p>
+        </p:txBody>
+      </p:sp>
+      <p:sp>
+        <p:nvSpPr>
+          <p:cNvPr id="3" name="Content Placeholder 2"/>
+          <p:cNvSpPr>
+            <a:spLocks noGrp="1"/>
+          </p:cNvSpPr>
+          <p:nvPr>
+            <p:ph idx="1"/>
+          </p:nvPr>
+        </p:nvSpPr>
+        <p:spPr/>
+        <p:txBody>
+          <a:bodyPr/>
+          <a:lstStyle/>
+          <a:p>
+            <a:r>
+              <a:rPr lang="en-US" dirty="0" smtClean="0"/>
+              <a:t>You can find the working files in the link below</a:t>
+            </a:r>
+          </a:p>
+          <a:p>
+            <a:pPr lvl="1"/>
+            <a:r>
+              <a:rPr lang="en-US" dirty="0">
+                <a:hlinkClick r:id="rId2"/>
+              </a:rPr>
+              <a:t>https://</a:t>
+            </a:r>
+            <a:r>
+              <a:rPr lang="en-US" dirty="0" smtClean="0">
+                <a:hlinkClick r:id="rId2"/>
+              </a:rPr>
+              <a:t>github.com/AlaaShatat/smart-marketplace</a:t>
+            </a:r>
+            <a:endParaRPr lang="en-US" dirty="0"/>
+          </a:p>
+          <a:p>
+            <a:r>
+              <a:rPr lang="en-US" dirty="0" smtClean="0"/>
+              <a:t>You can find the recorded demos in the link below</a:t>
+            </a:r>
+          </a:p>
+          <a:p>
+            <a:pPr lvl="1"/>
+            <a:r>
+              <a:rPr lang="en-US">
+                <a:hlinkClick r:id="rId3"/>
+              </a:rPr>
+              <a:t>https://</a:t>
+            </a:r>
+            <a:r>
+              <a:rPr lang="en-US" smtClean="0">
+                <a:hlinkClick r:id="rId3"/>
+              </a:rPr>
+              <a:t>drive.google.com/drive/folders/1kYWTkQIMSkONBQOjks3NAmo3JEk2HIGY?usp=sharing</a:t>
+            </a:r>
+            <a:endParaRPr lang="en-US" smtClean="0"/>
+          </a:p>
+          <a:p>
+            <a:pPr marL="457200" lvl="1" indent="0">
+              <a:buNone/>
+            </a:pPr>
+            <a:endParaRPr lang="en-US" dirty="0" smtClean="0"/>
+          </a:p>
+          <a:p>
+            <a:pPr marL="0" indent="0">
+              <a:buNone/>
+            </a:pPr>
+            <a:endParaRPr lang="en-US" dirty="0"/>
+          </a:p>
+        </p:txBody>
+      </p:sp>
+    </p:spTree>
+    <p:extLst>
+      <p:ext uri="{BB962C8B-B14F-4D97-AF65-F5344CB8AC3E}">
+        <p14:creationId xmlns:p14="http://schemas.microsoft.com/office/powerpoint/2010/main" val="2795393248"/>
       </p:ext>
     </p:extLst>
   </p:cSld>
